--- a/Notebooks/07_presentation.pptx
+++ b/Notebooks/07_presentation.pptx
@@ -13042,8 +13042,13 @@
                   <a:schemeClr val="bg1"/>
                 </a:solidFill>
               </a:rPr>
-              <a:t>Georgia Jenkins, Analyst</a:t>
+              <a:t>Georgia Jenkins</a:t>
             </a:r>
+            <a:endParaRPr lang="en-US" dirty="0">
+              <a:solidFill>
+                <a:schemeClr val="bg1"/>
+              </a:solidFill>
+            </a:endParaRPr>
           </a:p>
         </p:txBody>
       </p:sp>
